--- a/fig/Presentation1.pptx
+++ b/fig/Presentation1.pptx
@@ -2,10 +2,10 @@
 <file path=ppt/presentation.xml><?xml version="1.0" encoding="utf-8"?>
 <p:presentation xmlns:a="http://schemas.openxmlformats.org/drawingml/2006/main" xmlns:r="http://schemas.openxmlformats.org/officeDocument/2006/relationships" xmlns:p="http://schemas.openxmlformats.org/presentationml/2006/main" saveSubsetFonts="1">
   <p:sldMasterIdLst>
-    <p:sldMasterId id="2147483648" r:id="rId5"/>
+    <p:sldMasterId id="2147483648" r:id="rId7"/>
   </p:sldMasterIdLst>
   <p:sldIdLst>
-    <p:sldId id="257" r:id="rId6"/>
+    <p:sldId id="257" r:id="rId8"/>
   </p:sldIdLst>
   <p:sldSz cx="12192000" cy="6858000"/>
   <p:notesSz cx="6858000" cy="9144000"/>
@@ -104,6 +104,11 @@
       </a:defRPr>
     </a:lvl9pPr>
   </p:defaultTextStyle>
+  <p:extLst>
+    <p:ext uri="{EFAFB233-063F-42B5-8137-9DF3F51BA10A}">
+      <p15:sldGuideLst xmlns:p15="http://schemas.microsoft.com/office/powerpoint/2012/main"/>
+    </p:ext>
+  </p:extLst>
 </p:presentation>
 </file>
 
@@ -238,7 +243,7 @@
           <a:p>
             <a:fld id="{99B35F15-428C-4FC1-849C-9A9C85DEF109}" type="datetimeFigureOut">
               <a:rPr lang="en-US" smtClean="0"/>
-              <a:t>7/21/2016</a:t>
+              <a:t>7/24/2016</a:t>
             </a:fld>
             <a:endParaRPr lang="en-US"/>
           </a:p>
@@ -408,7 +413,7 @@
           <a:p>
             <a:fld id="{99B35F15-428C-4FC1-849C-9A9C85DEF109}" type="datetimeFigureOut">
               <a:rPr lang="en-US" smtClean="0"/>
-              <a:t>7/21/2016</a:t>
+              <a:t>7/24/2016</a:t>
             </a:fld>
             <a:endParaRPr lang="en-US"/>
           </a:p>
@@ -588,7 +593,7 @@
           <a:p>
             <a:fld id="{99B35F15-428C-4FC1-849C-9A9C85DEF109}" type="datetimeFigureOut">
               <a:rPr lang="en-US" smtClean="0"/>
-              <a:t>7/21/2016</a:t>
+              <a:t>7/24/2016</a:t>
             </a:fld>
             <a:endParaRPr lang="en-US"/>
           </a:p>
@@ -758,7 +763,7 @@
           <a:p>
             <a:fld id="{99B35F15-428C-4FC1-849C-9A9C85DEF109}" type="datetimeFigureOut">
               <a:rPr lang="en-US" smtClean="0"/>
-              <a:t>7/21/2016</a:t>
+              <a:t>7/24/2016</a:t>
             </a:fld>
             <a:endParaRPr lang="en-US"/>
           </a:p>
@@ -1004,7 +1009,7 @@
           <a:p>
             <a:fld id="{99B35F15-428C-4FC1-849C-9A9C85DEF109}" type="datetimeFigureOut">
               <a:rPr lang="en-US" smtClean="0"/>
-              <a:t>7/21/2016</a:t>
+              <a:t>7/24/2016</a:t>
             </a:fld>
             <a:endParaRPr lang="en-US"/>
           </a:p>
@@ -1236,7 +1241,7 @@
           <a:p>
             <a:fld id="{99B35F15-428C-4FC1-849C-9A9C85DEF109}" type="datetimeFigureOut">
               <a:rPr lang="en-US" smtClean="0"/>
-              <a:t>7/21/2016</a:t>
+              <a:t>7/24/2016</a:t>
             </a:fld>
             <a:endParaRPr lang="en-US"/>
           </a:p>
@@ -1603,7 +1608,7 @@
           <a:p>
             <a:fld id="{99B35F15-428C-4FC1-849C-9A9C85DEF109}" type="datetimeFigureOut">
               <a:rPr lang="en-US" smtClean="0"/>
-              <a:t>7/21/2016</a:t>
+              <a:t>7/24/2016</a:t>
             </a:fld>
             <a:endParaRPr lang="en-US"/>
           </a:p>
@@ -1721,7 +1726,7 @@
           <a:p>
             <a:fld id="{99B35F15-428C-4FC1-849C-9A9C85DEF109}" type="datetimeFigureOut">
               <a:rPr lang="en-US" smtClean="0"/>
-              <a:t>7/21/2016</a:t>
+              <a:t>7/24/2016</a:t>
             </a:fld>
             <a:endParaRPr lang="en-US"/>
           </a:p>
@@ -1816,7 +1821,7 @@
           <a:p>
             <a:fld id="{99B35F15-428C-4FC1-849C-9A9C85DEF109}" type="datetimeFigureOut">
               <a:rPr lang="en-US" smtClean="0"/>
-              <a:t>7/21/2016</a:t>
+              <a:t>7/24/2016</a:t>
             </a:fld>
             <a:endParaRPr lang="en-US"/>
           </a:p>
@@ -2093,7 +2098,7 @@
           <a:p>
             <a:fld id="{99B35F15-428C-4FC1-849C-9A9C85DEF109}" type="datetimeFigureOut">
               <a:rPr lang="en-US" smtClean="0"/>
-              <a:t>7/21/2016</a:t>
+              <a:t>7/24/2016</a:t>
             </a:fld>
             <a:endParaRPr lang="en-US"/>
           </a:p>
@@ -2346,7 +2351,7 @@
           <a:p>
             <a:fld id="{99B35F15-428C-4FC1-849C-9A9C85DEF109}" type="datetimeFigureOut">
               <a:rPr lang="en-US" smtClean="0"/>
-              <a:t>7/21/2016</a:t>
+              <a:t>7/24/2016</a:t>
             </a:fld>
             <a:endParaRPr lang="en-US"/>
           </a:p>
@@ -2559,7 +2564,7 @@
           <a:p>
             <a:fld id="{99B35F15-428C-4FC1-849C-9A9C85DEF109}" type="datetimeFigureOut">
               <a:rPr lang="en-US" smtClean="0"/>
-              <a:t>7/21/2016</a:t>
+              <a:t>7/24/2016</a:t>
             </a:fld>
             <a:endParaRPr lang="en-US"/>
           </a:p>
@@ -3030,8 +3035,8 @@
           </p:blipFill>
           <p:spPr>
             <a:xfrm>
-              <a:off x="6082658" y="-210544"/>
-              <a:ext cx="2768852" cy="4572000"/>
+              <a:off x="6082658" y="-157489"/>
+              <a:ext cx="2768852" cy="4465890"/>
             </a:xfrm>
             <a:prstGeom prst="rect">
               <a:avLst/>
@@ -3078,9 +3083,9 @@
         <p:grpSpPr>
           <a:xfrm>
             <a:off x="295838" y="4629703"/>
-            <a:ext cx="8561899" cy="4572000"/>
+            <a:ext cx="8556119" cy="4572000"/>
             <a:chOff x="295838" y="4629703"/>
-            <a:chExt cx="8561899" cy="4572000"/>
+            <a:chExt cx="8556119" cy="4572000"/>
           </a:xfrm>
         </p:grpSpPr>
         <p:pic>
@@ -3135,8 +3140,8 @@
           </p:blipFill>
           <p:spPr>
             <a:xfrm>
-              <a:off x="6082657" y="4629703"/>
-              <a:ext cx="2775080" cy="4572000"/>
+              <a:off x="6088437" y="4629703"/>
+              <a:ext cx="2763520" cy="4572000"/>
             </a:xfrm>
             <a:prstGeom prst="rect">
               <a:avLst/>
@@ -3476,8 +3481,22 @@
 </EsriMapsInfo>
 </file>
 
+<file path=customXml/item5.xml><?xml version="1.0" encoding="utf-8"?>
+<EsriMapsInfo xmlns="ESRI.ArcGIS.Mapping.OfficeIntegration.PowerPointInfo">
+  <Version>Version1</Version>
+  <RequiresSignIn>False</RequiresSignIn>
+</EsriMapsInfo>
+</file>
+
+<file path=customXml/item6.xml><?xml version="1.0" encoding="utf-8"?>
+<EsriMapsInfo xmlns="ESRI.ArcGIS.Mapping.OfficeIntegration.PowerPointInfo">
+  <Version>Version1</Version>
+  <RequiresSignIn>False</RequiresSignIn>
+</EsriMapsInfo>
+</file>
+
 <file path=customXml/itemProps1.xml><?xml version="1.0" encoding="utf-8"?>
-<ds:datastoreItem xmlns:ds="http://schemas.openxmlformats.org/officeDocument/2006/customXml" ds:itemID="{9DF52139-C2B0-4D8A-99CF-8A1443FBE814}">
+<ds:datastoreItem xmlns:ds="http://schemas.openxmlformats.org/officeDocument/2006/customXml" ds:itemID="{F22D80C5-A06F-403B-951D-929C4BA81776}">
   <ds:schemaRefs>
     <ds:schemaRef ds:uri="ESRI.ArcGIS.Mapping.OfficeIntegration.PowerPointInfo"/>
   </ds:schemaRefs>
@@ -3493,7 +3512,7 @@
 </file>
 
 <file path=customXml/itemProps3.xml><?xml version="1.0" encoding="utf-8"?>
-<ds:datastoreItem xmlns:ds="http://schemas.openxmlformats.org/officeDocument/2006/customXml" ds:itemID="{F22D80C5-A06F-403B-951D-929C4BA81776}">
+<ds:datastoreItem xmlns:ds="http://schemas.openxmlformats.org/officeDocument/2006/customXml" ds:itemID="{9DF52139-C2B0-4D8A-99CF-8A1443FBE814}">
   <ds:schemaRefs>
     <ds:schemaRef ds:uri="ESRI.ArcGIS.Mapping.OfficeIntegration.PowerPointInfo"/>
   </ds:schemaRefs>
@@ -3501,7 +3520,23 @@
 </file>
 
 <file path=customXml/itemProps4.xml><?xml version="1.0" encoding="utf-8"?>
-<ds:datastoreItem xmlns:ds="http://schemas.openxmlformats.org/officeDocument/2006/customXml" ds:itemID="{E42E8742-CCFF-47E9-AF50-6A2AE3677E91}">
+<ds:datastoreItem xmlns:ds="http://schemas.openxmlformats.org/officeDocument/2006/customXml" ds:itemID="{6207238E-DC7C-49D6-8D78-6507C9BA3164}">
+  <ds:schemaRefs>
+    <ds:schemaRef ds:uri="ESRI.ArcGIS.Mapping.OfficeIntegration.PowerPointInfo"/>
+  </ds:schemaRefs>
+</ds:datastoreItem>
+</file>
+
+<file path=customXml/itemProps5.xml><?xml version="1.0" encoding="utf-8"?>
+<ds:datastoreItem xmlns:ds="http://schemas.openxmlformats.org/officeDocument/2006/customXml" ds:itemID="{C635AE78-8546-45B2-B927-54187FF15C45}">
+  <ds:schemaRefs>
+    <ds:schemaRef ds:uri="ESRI.ArcGIS.Mapping.OfficeIntegration.PowerPointInfo"/>
+  </ds:schemaRefs>
+</ds:datastoreItem>
+</file>
+
+<file path=customXml/itemProps6.xml><?xml version="1.0" encoding="utf-8"?>
+<ds:datastoreItem xmlns:ds="http://schemas.openxmlformats.org/officeDocument/2006/customXml" ds:itemID="{2312E3A7-CFCA-4BB3-8CDA-B88FCF1E9013}">
   <ds:schemaRefs>
     <ds:schemaRef ds:uri="ESRI.ArcGIS.Mapping.OfficeIntegration.PowerPointInfo"/>
   </ds:schemaRefs>

--- a/fig/Presentation1.pptx
+++ b/fig/Presentation1.pptx
@@ -2,10 +2,10 @@
 <file path=ppt/presentation.xml><?xml version="1.0" encoding="utf-8"?>
 <p:presentation xmlns:a="http://schemas.openxmlformats.org/drawingml/2006/main" xmlns:r="http://schemas.openxmlformats.org/officeDocument/2006/relationships" xmlns:p="http://schemas.openxmlformats.org/presentationml/2006/main" saveSubsetFonts="1">
   <p:sldMasterIdLst>
-    <p:sldMasterId id="2147483648" r:id="rId7"/>
+    <p:sldMasterId id="2147483648" r:id="rId10"/>
   </p:sldMasterIdLst>
   <p:sldIdLst>
-    <p:sldId id="257" r:id="rId8"/>
+    <p:sldId id="257" r:id="rId11"/>
   </p:sldIdLst>
   <p:sldSz cx="12192000" cy="6858000"/>
   <p:notesSz cx="6858000" cy="9144000"/>
@@ -243,7 +243,7 @@
           <a:p>
             <a:fld id="{99B35F15-428C-4FC1-849C-9A9C85DEF109}" type="datetimeFigureOut">
               <a:rPr lang="en-US" smtClean="0"/>
-              <a:t>7/24/2016</a:t>
+              <a:t>7/27/2016</a:t>
             </a:fld>
             <a:endParaRPr lang="en-US"/>
           </a:p>
@@ -413,7 +413,7 @@
           <a:p>
             <a:fld id="{99B35F15-428C-4FC1-849C-9A9C85DEF109}" type="datetimeFigureOut">
               <a:rPr lang="en-US" smtClean="0"/>
-              <a:t>7/24/2016</a:t>
+              <a:t>7/27/2016</a:t>
             </a:fld>
             <a:endParaRPr lang="en-US"/>
           </a:p>
@@ -593,7 +593,7 @@
           <a:p>
             <a:fld id="{99B35F15-428C-4FC1-849C-9A9C85DEF109}" type="datetimeFigureOut">
               <a:rPr lang="en-US" smtClean="0"/>
-              <a:t>7/24/2016</a:t>
+              <a:t>7/27/2016</a:t>
             </a:fld>
             <a:endParaRPr lang="en-US"/>
           </a:p>
@@ -763,7 +763,7 @@
           <a:p>
             <a:fld id="{99B35F15-428C-4FC1-849C-9A9C85DEF109}" type="datetimeFigureOut">
               <a:rPr lang="en-US" smtClean="0"/>
-              <a:t>7/24/2016</a:t>
+              <a:t>7/27/2016</a:t>
             </a:fld>
             <a:endParaRPr lang="en-US"/>
           </a:p>
@@ -1009,7 +1009,7 @@
           <a:p>
             <a:fld id="{99B35F15-428C-4FC1-849C-9A9C85DEF109}" type="datetimeFigureOut">
               <a:rPr lang="en-US" smtClean="0"/>
-              <a:t>7/24/2016</a:t>
+              <a:t>7/27/2016</a:t>
             </a:fld>
             <a:endParaRPr lang="en-US"/>
           </a:p>
@@ -1241,7 +1241,7 @@
           <a:p>
             <a:fld id="{99B35F15-428C-4FC1-849C-9A9C85DEF109}" type="datetimeFigureOut">
               <a:rPr lang="en-US" smtClean="0"/>
-              <a:t>7/24/2016</a:t>
+              <a:t>7/27/2016</a:t>
             </a:fld>
             <a:endParaRPr lang="en-US"/>
           </a:p>
@@ -1608,7 +1608,7 @@
           <a:p>
             <a:fld id="{99B35F15-428C-4FC1-849C-9A9C85DEF109}" type="datetimeFigureOut">
               <a:rPr lang="en-US" smtClean="0"/>
-              <a:t>7/24/2016</a:t>
+              <a:t>7/27/2016</a:t>
             </a:fld>
             <a:endParaRPr lang="en-US"/>
           </a:p>
@@ -1726,7 +1726,7 @@
           <a:p>
             <a:fld id="{99B35F15-428C-4FC1-849C-9A9C85DEF109}" type="datetimeFigureOut">
               <a:rPr lang="en-US" smtClean="0"/>
-              <a:t>7/24/2016</a:t>
+              <a:t>7/27/2016</a:t>
             </a:fld>
             <a:endParaRPr lang="en-US"/>
           </a:p>
@@ -1821,7 +1821,7 @@
           <a:p>
             <a:fld id="{99B35F15-428C-4FC1-849C-9A9C85DEF109}" type="datetimeFigureOut">
               <a:rPr lang="en-US" smtClean="0"/>
-              <a:t>7/24/2016</a:t>
+              <a:t>7/27/2016</a:t>
             </a:fld>
             <a:endParaRPr lang="en-US"/>
           </a:p>
@@ -2098,7 +2098,7 @@
           <a:p>
             <a:fld id="{99B35F15-428C-4FC1-849C-9A9C85DEF109}" type="datetimeFigureOut">
               <a:rPr lang="en-US" smtClean="0"/>
-              <a:t>7/24/2016</a:t>
+              <a:t>7/27/2016</a:t>
             </a:fld>
             <a:endParaRPr lang="en-US"/>
           </a:p>
@@ -2351,7 +2351,7 @@
           <a:p>
             <a:fld id="{99B35F15-428C-4FC1-849C-9A9C85DEF109}" type="datetimeFigureOut">
               <a:rPr lang="en-US" smtClean="0"/>
-              <a:t>7/24/2016</a:t>
+              <a:t>7/27/2016</a:t>
             </a:fld>
             <a:endParaRPr lang="en-US"/>
           </a:p>
@@ -2564,7 +2564,7 @@
           <a:p>
             <a:fld id="{99B35F15-428C-4FC1-849C-9A9C85DEF109}" type="datetimeFigureOut">
               <a:rPr lang="en-US" smtClean="0"/>
-              <a:t>7/24/2016</a:t>
+              <a:t>7/27/2016</a:t>
             </a:fld>
             <a:endParaRPr lang="en-US"/>
           </a:p>
@@ -2978,9 +2978,9 @@
         <p:grpSpPr>
           <a:xfrm>
             <a:off x="311264" y="-210544"/>
-            <a:ext cx="8540246" cy="4572000"/>
+            <a:ext cx="8508115" cy="4572000"/>
             <a:chOff x="311264" y="-210544"/>
-            <a:chExt cx="8540246" cy="4572000"/>
+            <a:chExt cx="8508115" cy="4572000"/>
           </a:xfrm>
         </p:grpSpPr>
         <p:pic>
@@ -3035,8 +3035,8 @@
           </p:blipFill>
           <p:spPr>
             <a:xfrm>
-              <a:off x="6082658" y="-157489"/>
-              <a:ext cx="2768852" cy="4465890"/>
+              <a:off x="6114789" y="-157489"/>
+              <a:ext cx="2704590" cy="4465890"/>
             </a:xfrm>
             <a:prstGeom prst="rect">
               <a:avLst/>
@@ -3140,8 +3140,8 @@
           </p:blipFill>
           <p:spPr>
             <a:xfrm>
-              <a:off x="6088437" y="4629703"/>
-              <a:ext cx="2763520" cy="4572000"/>
+              <a:off x="6088437" y="4639226"/>
+              <a:ext cx="2763520" cy="4552953"/>
             </a:xfrm>
             <a:prstGeom prst="rect">
               <a:avLst/>
@@ -3495,7 +3495,52 @@
 </EsriMapsInfo>
 </file>
 
+<file path=customXml/item7.xml><?xml version="1.0" encoding="utf-8"?>
+<EsriMapsInfo xmlns="ESRI.ArcGIS.Mapping.OfficeIntegration.PowerPointInfo">
+  <Version>Version1</Version>
+  <RequiresSignIn>False</RequiresSignIn>
+</EsriMapsInfo>
+</file>
+
+<file path=customXml/item8.xml><?xml version="1.0" encoding="utf-8"?>
+<EsriMapsInfo xmlns="ESRI.ArcGIS.Mapping.OfficeIntegration.PowerPointInfo">
+  <Version>Version1</Version>
+  <RequiresSignIn>False</RequiresSignIn>
+</EsriMapsInfo>
+</file>
+
+<file path=customXml/item9.xml><?xml version="1.0" encoding="utf-8"?>
+<EsriMapsInfo xmlns="ESRI.ArcGIS.Mapping.OfficeIntegration.PowerPointInfo">
+  <Version>Version1</Version>
+  <RequiresSignIn>False</RequiresSignIn>
+</EsriMapsInfo>
+</file>
+
 <file path=customXml/itemProps1.xml><?xml version="1.0" encoding="utf-8"?>
+<ds:datastoreItem xmlns:ds="http://schemas.openxmlformats.org/officeDocument/2006/customXml" ds:itemID="{6207238E-DC7C-49D6-8D78-6507C9BA3164}">
+  <ds:schemaRefs>
+    <ds:schemaRef ds:uri="ESRI.ArcGIS.Mapping.OfficeIntegration.PowerPointInfo"/>
+  </ds:schemaRefs>
+</ds:datastoreItem>
+</file>
+
+<file path=customXml/itemProps2.xml><?xml version="1.0" encoding="utf-8"?>
+<ds:datastoreItem xmlns:ds="http://schemas.openxmlformats.org/officeDocument/2006/customXml" ds:itemID="{9DF52139-C2B0-4D8A-99CF-8A1443FBE814}">
+  <ds:schemaRefs>
+    <ds:schemaRef ds:uri="ESRI.ArcGIS.Mapping.OfficeIntegration.PowerPointInfo"/>
+  </ds:schemaRefs>
+</ds:datastoreItem>
+</file>
+
+<file path=customXml/itemProps3.xml><?xml version="1.0" encoding="utf-8"?>
+<ds:datastoreItem xmlns:ds="http://schemas.openxmlformats.org/officeDocument/2006/customXml" ds:itemID="{E062DDAC-5654-4B6A-A4B2-CD3171D25E51}">
+  <ds:schemaRefs>
+    <ds:schemaRef ds:uri="ESRI.ArcGIS.Mapping.OfficeIntegration.PowerPointInfo"/>
+  </ds:schemaRefs>
+</ds:datastoreItem>
+</file>
+
+<file path=customXml/itemProps4.xml><?xml version="1.0" encoding="utf-8"?>
 <ds:datastoreItem xmlns:ds="http://schemas.openxmlformats.org/officeDocument/2006/customXml" ds:itemID="{F22D80C5-A06F-403B-951D-929C4BA81776}">
   <ds:schemaRefs>
     <ds:schemaRef ds:uri="ESRI.ArcGIS.Mapping.OfficeIntegration.PowerPointInfo"/>
@@ -3503,32 +3548,8 @@
 </ds:datastoreItem>
 </file>
 
-<file path=customXml/itemProps2.xml><?xml version="1.0" encoding="utf-8"?>
-<ds:datastoreItem xmlns:ds="http://schemas.openxmlformats.org/officeDocument/2006/customXml" ds:itemID="{E062DDAC-5654-4B6A-A4B2-CD3171D25E51}">
-  <ds:schemaRefs>
-    <ds:schemaRef ds:uri="ESRI.ArcGIS.Mapping.OfficeIntegration.PowerPointInfo"/>
-  </ds:schemaRefs>
-</ds:datastoreItem>
-</file>
-
-<file path=customXml/itemProps3.xml><?xml version="1.0" encoding="utf-8"?>
-<ds:datastoreItem xmlns:ds="http://schemas.openxmlformats.org/officeDocument/2006/customXml" ds:itemID="{9DF52139-C2B0-4D8A-99CF-8A1443FBE814}">
-  <ds:schemaRefs>
-    <ds:schemaRef ds:uri="ESRI.ArcGIS.Mapping.OfficeIntegration.PowerPointInfo"/>
-  </ds:schemaRefs>
-</ds:datastoreItem>
-</file>
-
-<file path=customXml/itemProps4.xml><?xml version="1.0" encoding="utf-8"?>
-<ds:datastoreItem xmlns:ds="http://schemas.openxmlformats.org/officeDocument/2006/customXml" ds:itemID="{6207238E-DC7C-49D6-8D78-6507C9BA3164}">
-  <ds:schemaRefs>
-    <ds:schemaRef ds:uri="ESRI.ArcGIS.Mapping.OfficeIntegration.PowerPointInfo"/>
-  </ds:schemaRefs>
-</ds:datastoreItem>
-</file>
-
 <file path=customXml/itemProps5.xml><?xml version="1.0" encoding="utf-8"?>
-<ds:datastoreItem xmlns:ds="http://schemas.openxmlformats.org/officeDocument/2006/customXml" ds:itemID="{C635AE78-8546-45B2-B927-54187FF15C45}">
+<ds:datastoreItem xmlns:ds="http://schemas.openxmlformats.org/officeDocument/2006/customXml" ds:itemID="{2312E3A7-CFCA-4BB3-8CDA-B88FCF1E9013}">
   <ds:schemaRefs>
     <ds:schemaRef ds:uri="ESRI.ArcGIS.Mapping.OfficeIntegration.PowerPointInfo"/>
   </ds:schemaRefs>
@@ -3536,7 +3557,31 @@
 </file>
 
 <file path=customXml/itemProps6.xml><?xml version="1.0" encoding="utf-8"?>
-<ds:datastoreItem xmlns:ds="http://schemas.openxmlformats.org/officeDocument/2006/customXml" ds:itemID="{2312E3A7-CFCA-4BB3-8CDA-B88FCF1E9013}">
+<ds:datastoreItem xmlns:ds="http://schemas.openxmlformats.org/officeDocument/2006/customXml" ds:itemID="{041E8B4B-6180-4819-94DE-1B8143D71190}">
+  <ds:schemaRefs>
+    <ds:schemaRef ds:uri="ESRI.ArcGIS.Mapping.OfficeIntegration.PowerPointInfo"/>
+  </ds:schemaRefs>
+</ds:datastoreItem>
+</file>
+
+<file path=customXml/itemProps7.xml><?xml version="1.0" encoding="utf-8"?>
+<ds:datastoreItem xmlns:ds="http://schemas.openxmlformats.org/officeDocument/2006/customXml" ds:itemID="{D89E7AD8-703F-4BBA-BC73-293B8185AF5C}">
+  <ds:schemaRefs>
+    <ds:schemaRef ds:uri="ESRI.ArcGIS.Mapping.OfficeIntegration.PowerPointInfo"/>
+  </ds:schemaRefs>
+</ds:datastoreItem>
+</file>
+
+<file path=customXml/itemProps8.xml><?xml version="1.0" encoding="utf-8"?>
+<ds:datastoreItem xmlns:ds="http://schemas.openxmlformats.org/officeDocument/2006/customXml" ds:itemID="{0ABEF7BF-8D58-4B27-A458-C3E9F49A8DA9}">
+  <ds:schemaRefs>
+    <ds:schemaRef ds:uri="ESRI.ArcGIS.Mapping.OfficeIntegration.PowerPointInfo"/>
+  </ds:schemaRefs>
+</ds:datastoreItem>
+</file>
+
+<file path=customXml/itemProps9.xml><?xml version="1.0" encoding="utf-8"?>
+<ds:datastoreItem xmlns:ds="http://schemas.openxmlformats.org/officeDocument/2006/customXml" ds:itemID="{4F4AD080-233F-4B3F-9C8E-3C46CE98E81F}">
   <ds:schemaRefs>
     <ds:schemaRef ds:uri="ESRI.ArcGIS.Mapping.OfficeIntegration.PowerPointInfo"/>
   </ds:schemaRefs>
